--- a/Slides/Aula1.pptx
+++ b/Slides/Aula1.pptx
@@ -28,6 +28,7 @@
     <p:sldId id="276" r:id="rId22"/>
     <p:sldId id="277" r:id="rId23"/>
     <p:sldId id="278" r:id="rId24"/>
+    <p:sldId id="279" r:id="rId25"/>
   </p:sldIdLst>
   <p:sldSz cx="12192000" cy="6858000"/>
   <p:notesSz cx="6858000" cy="9144000"/>
@@ -265,7 +266,7 @@
           <a:p>
             <a:fld id="{2A860B91-7E43-4401-892A-0CE6AF092A23}" type="datetimeFigureOut">
               <a:rPr lang="pt-BR" smtClean="0"/>
-              <a:t>23/05/2016</a:t>
+              <a:t>25/05/2016</a:t>
             </a:fld>
             <a:endParaRPr lang="pt-BR"/>
           </a:p>
@@ -435,7 +436,7 @@
           <a:p>
             <a:fld id="{2A860B91-7E43-4401-892A-0CE6AF092A23}" type="datetimeFigureOut">
               <a:rPr lang="pt-BR" smtClean="0"/>
-              <a:t>23/05/2016</a:t>
+              <a:t>25/05/2016</a:t>
             </a:fld>
             <a:endParaRPr lang="pt-BR"/>
           </a:p>
@@ -615,7 +616,7 @@
           <a:p>
             <a:fld id="{2A860B91-7E43-4401-892A-0CE6AF092A23}" type="datetimeFigureOut">
               <a:rPr lang="pt-BR" smtClean="0"/>
-              <a:t>23/05/2016</a:t>
+              <a:t>25/05/2016</a:t>
             </a:fld>
             <a:endParaRPr lang="pt-BR"/>
           </a:p>
@@ -785,7 +786,7 @@
           <a:p>
             <a:fld id="{2A860B91-7E43-4401-892A-0CE6AF092A23}" type="datetimeFigureOut">
               <a:rPr lang="pt-BR" smtClean="0"/>
-              <a:t>23/05/2016</a:t>
+              <a:t>25/05/2016</a:t>
             </a:fld>
             <a:endParaRPr lang="pt-BR"/>
           </a:p>
@@ -1031,7 +1032,7 @@
           <a:p>
             <a:fld id="{2A860B91-7E43-4401-892A-0CE6AF092A23}" type="datetimeFigureOut">
               <a:rPr lang="pt-BR" smtClean="0"/>
-              <a:t>23/05/2016</a:t>
+              <a:t>25/05/2016</a:t>
             </a:fld>
             <a:endParaRPr lang="pt-BR"/>
           </a:p>
@@ -1263,7 +1264,7 @@
           <a:p>
             <a:fld id="{2A860B91-7E43-4401-892A-0CE6AF092A23}" type="datetimeFigureOut">
               <a:rPr lang="pt-BR" smtClean="0"/>
-              <a:t>23/05/2016</a:t>
+              <a:t>25/05/2016</a:t>
             </a:fld>
             <a:endParaRPr lang="pt-BR"/>
           </a:p>
@@ -1630,7 +1631,7 @@
           <a:p>
             <a:fld id="{2A860B91-7E43-4401-892A-0CE6AF092A23}" type="datetimeFigureOut">
               <a:rPr lang="pt-BR" smtClean="0"/>
-              <a:t>23/05/2016</a:t>
+              <a:t>25/05/2016</a:t>
             </a:fld>
             <a:endParaRPr lang="pt-BR"/>
           </a:p>
@@ -1748,7 +1749,7 @@
           <a:p>
             <a:fld id="{2A860B91-7E43-4401-892A-0CE6AF092A23}" type="datetimeFigureOut">
               <a:rPr lang="pt-BR" smtClean="0"/>
-              <a:t>23/05/2016</a:t>
+              <a:t>25/05/2016</a:t>
             </a:fld>
             <a:endParaRPr lang="pt-BR"/>
           </a:p>
@@ -1843,7 +1844,7 @@
           <a:p>
             <a:fld id="{2A860B91-7E43-4401-892A-0CE6AF092A23}" type="datetimeFigureOut">
               <a:rPr lang="pt-BR" smtClean="0"/>
-              <a:t>23/05/2016</a:t>
+              <a:t>25/05/2016</a:t>
             </a:fld>
             <a:endParaRPr lang="pt-BR"/>
           </a:p>
@@ -2120,7 +2121,7 @@
           <a:p>
             <a:fld id="{2A860B91-7E43-4401-892A-0CE6AF092A23}" type="datetimeFigureOut">
               <a:rPr lang="pt-BR" smtClean="0"/>
-              <a:t>23/05/2016</a:t>
+              <a:t>25/05/2016</a:t>
             </a:fld>
             <a:endParaRPr lang="pt-BR"/>
           </a:p>
@@ -2373,7 +2374,7 @@
           <a:p>
             <a:fld id="{2A860B91-7E43-4401-892A-0CE6AF092A23}" type="datetimeFigureOut">
               <a:rPr lang="pt-BR" smtClean="0"/>
-              <a:t>23/05/2016</a:t>
+              <a:t>25/05/2016</a:t>
             </a:fld>
             <a:endParaRPr lang="pt-BR"/>
           </a:p>
@@ -2586,7 +2587,7 @@
           <a:p>
             <a:fld id="{2A860B91-7E43-4401-892A-0CE6AF092A23}" type="datetimeFigureOut">
               <a:rPr lang="pt-BR" smtClean="0"/>
-              <a:t>23/05/2016</a:t>
+              <a:t>25/05/2016</a:t>
             </a:fld>
             <a:endParaRPr lang="pt-BR"/>
           </a:p>
@@ -5110,6 +5111,127 @@
 </p:sld>
 </file>
 
+<file path=ppt/slides/slide24.xml><?xml version="1.0" encoding="utf-8"?>
+<p:sld xmlns:a="http://schemas.openxmlformats.org/drawingml/2006/main" xmlns:r="http://schemas.openxmlformats.org/officeDocument/2006/relationships" xmlns:p="http://schemas.openxmlformats.org/presentationml/2006/main">
+  <p:cSld>
+    <p:spTree>
+      <p:nvGrpSpPr>
+        <p:cNvPr id="1" name=""/>
+        <p:cNvGrpSpPr/>
+        <p:nvPr/>
+      </p:nvGrpSpPr>
+      <p:grpSpPr>
+        <a:xfrm>
+          <a:off x="0" y="0"/>
+          <a:ext cx="0" cy="0"/>
+          <a:chOff x="0" y="0"/>
+          <a:chExt cx="0" cy="0"/>
+        </a:xfrm>
+      </p:grpSpPr>
+      <p:sp>
+        <p:nvSpPr>
+          <p:cNvPr id="2" name="Title 1"/>
+          <p:cNvSpPr>
+            <a:spLocks noGrp="1"/>
+          </p:cNvSpPr>
+          <p:nvPr>
+            <p:ph type="title"/>
+          </p:nvPr>
+        </p:nvSpPr>
+        <p:spPr/>
+        <p:txBody>
+          <a:bodyPr/>
+          <a:lstStyle/>
+          <a:p>
+            <a:pPr algn="ctr"/>
+            <a:r>
+              <a:rPr lang="pt-BR" dirty="0"/>
+              <a:t>Exercício </a:t>
+            </a:r>
+          </a:p>
+        </p:txBody>
+      </p:sp>
+      <p:sp>
+        <p:nvSpPr>
+          <p:cNvPr id="3" name="Content Placeholder 2"/>
+          <p:cNvSpPr>
+            <a:spLocks noGrp="1"/>
+          </p:cNvSpPr>
+          <p:nvPr>
+            <p:ph idx="1"/>
+          </p:nvPr>
+        </p:nvSpPr>
+        <p:spPr/>
+        <p:txBody>
+          <a:bodyPr/>
+          <a:lstStyle/>
+          <a:p>
+            <a:r>
+              <a:rPr lang="pt-BR" dirty="0"/>
+              <a:t>Criar das  relatório das funcionalidades da ferramenta </a:t>
+            </a:r>
+            <a:r>
+              <a:rPr lang="pt-BR" dirty="0" err="1"/>
+              <a:t>Readmine</a:t>
+            </a:r>
+            <a:r>
+              <a:rPr lang="pt-BR" dirty="0"/>
+              <a:t> </a:t>
+            </a:r>
+          </a:p>
+          <a:p>
+            <a:endParaRPr lang="pt-BR" dirty="0"/>
+          </a:p>
+          <a:p>
+            <a:r>
+              <a:rPr lang="pt-BR" dirty="0"/>
+              <a:t>Crie uma pasta com o nome resumo no projeto do </a:t>
+            </a:r>
+            <a:r>
+              <a:rPr lang="pt-BR" dirty="0" err="1"/>
+              <a:t>github</a:t>
+            </a:r>
+            <a:r>
+              <a:rPr lang="pt-BR" dirty="0"/>
+              <a:t> e envie o link para o </a:t>
+            </a:r>
+            <a:r>
+              <a:rPr lang="pt-BR" dirty="0" err="1"/>
+              <a:t>email</a:t>
+            </a:r>
+            <a:r>
+              <a:rPr lang="pt-BR" dirty="0"/>
+              <a:t>: </a:t>
+            </a:r>
+            <a:r>
+              <a:rPr lang="pt-BR" dirty="0">
+                <a:hlinkClick r:id="rId2"/>
+              </a:rPr>
+              <a:t>a.sousajose@gmail.com</a:t>
+            </a:r>
+            <a:r>
+              <a:rPr lang="pt-BR" dirty="0"/>
+              <a:t> com assunto Engenharia1</a:t>
+            </a:r>
+          </a:p>
+          <a:p>
+            <a:endParaRPr lang="pt-BR" dirty="0"/>
+          </a:p>
+        </p:txBody>
+      </p:sp>
+    </p:spTree>
+    <p:extLst>
+      <p:ext uri="{BB962C8B-B14F-4D97-AF65-F5344CB8AC3E}">
+        <p14:creationId xmlns:p14="http://schemas.microsoft.com/office/powerpoint/2010/main" val="691518639"/>
+      </p:ext>
+    </p:extLst>
+  </p:cSld>
+  <p:clrMapOvr>
+    <a:masterClrMapping/>
+  </p:clrMapOvr>
+</p:sld>
+</file>
+
 <file path=ppt/slides/slide3.xml><?xml version="1.0" encoding="utf-8"?>
 <p:sld xmlns:a="http://schemas.openxmlformats.org/drawingml/2006/main" xmlns:r="http://schemas.openxmlformats.org/officeDocument/2006/relationships" xmlns:p="http://schemas.openxmlformats.org/presentationml/2006/main">
   <p:cSld>
